--- a/day 1 regression.pptx
+++ b/day 1 regression.pptx
@@ -7037,7 +7037,7 @@
             <a:pPr lvl="3"/>
             <a:r>
               <a:rPr lang="en-US" altLang="ko-KR" dirty="0"/>
-              <a:t>git clone</a:t>
+              <a:t>git clone https://github.com/rllab-snu/Day-1-Regression.git</a:t>
             </a:r>
           </a:p>
           <a:p>
